--- a/resources/Chart1.pptx
+++ b/resources/Chart1.pptx
@@ -106,7 +106,18 @@
   </p:defaultTextStyle>
   <p:extLst>
     <p:ext uri="{EFAFB233-063F-42B5-8137-9DF3F51BA10A}">
-      <p15:sldGuideLst xmlns:p15="http://schemas.microsoft.com/office/powerpoint/2012/main"/>
+      <p15:sldGuideLst xmlns:p15="http://schemas.microsoft.com/office/powerpoint/2012/main">
+        <p15:guide id="1" orient="horz" pos="2160" userDrawn="1">
+          <p15:clr>
+            <a:srgbClr val="A4A3A4"/>
+          </p15:clr>
+        </p15:guide>
+        <p15:guide id="2" pos="3840" userDrawn="1">
+          <p15:clr>
+            <a:srgbClr val="A4A3A4"/>
+          </p15:clr>
+        </p15:guide>
+      </p15:sldGuideLst>
     </p:ext>
   </p:extLst>
 </p:presentation>
@@ -243,7 +254,7 @@
           <a:p>
             <a:fld id="{EECE8AF7-F7F9-42A7-82FF-5AB52725860A}" type="datetimeFigureOut">
               <a:rPr lang="en-US" smtClean="0"/>
-              <a:t>10/23/23</a:t>
+              <a:t>10/24/23</a:t>
             </a:fld>
             <a:endParaRPr lang="en-US"/>
           </a:p>
@@ -413,7 +424,7 @@
           <a:p>
             <a:fld id="{EECE8AF7-F7F9-42A7-82FF-5AB52725860A}" type="datetimeFigureOut">
               <a:rPr lang="en-US" smtClean="0"/>
-              <a:t>10/23/23</a:t>
+              <a:t>10/24/23</a:t>
             </a:fld>
             <a:endParaRPr lang="en-US"/>
           </a:p>
@@ -593,7 +604,7 @@
           <a:p>
             <a:fld id="{EECE8AF7-F7F9-42A7-82FF-5AB52725860A}" type="datetimeFigureOut">
               <a:rPr lang="en-US" smtClean="0"/>
-              <a:t>10/23/23</a:t>
+              <a:t>10/24/23</a:t>
             </a:fld>
             <a:endParaRPr lang="en-US"/>
           </a:p>
@@ -763,7 +774,7 @@
           <a:p>
             <a:fld id="{EECE8AF7-F7F9-42A7-82FF-5AB52725860A}" type="datetimeFigureOut">
               <a:rPr lang="en-US" smtClean="0"/>
-              <a:t>10/23/23</a:t>
+              <a:t>10/24/23</a:t>
             </a:fld>
             <a:endParaRPr lang="en-US"/>
           </a:p>
@@ -1009,7 +1020,7 @@
           <a:p>
             <a:fld id="{EECE8AF7-F7F9-42A7-82FF-5AB52725860A}" type="datetimeFigureOut">
               <a:rPr lang="en-US" smtClean="0"/>
-              <a:t>10/23/23</a:t>
+              <a:t>10/24/23</a:t>
             </a:fld>
             <a:endParaRPr lang="en-US"/>
           </a:p>
@@ -1241,7 +1252,7 @@
           <a:p>
             <a:fld id="{EECE8AF7-F7F9-42A7-82FF-5AB52725860A}" type="datetimeFigureOut">
               <a:rPr lang="en-US" smtClean="0"/>
-              <a:t>10/23/23</a:t>
+              <a:t>10/24/23</a:t>
             </a:fld>
             <a:endParaRPr lang="en-US"/>
           </a:p>
@@ -1608,7 +1619,7 @@
           <a:p>
             <a:fld id="{EECE8AF7-F7F9-42A7-82FF-5AB52725860A}" type="datetimeFigureOut">
               <a:rPr lang="en-US" smtClean="0"/>
-              <a:t>10/23/23</a:t>
+              <a:t>10/24/23</a:t>
             </a:fld>
             <a:endParaRPr lang="en-US"/>
           </a:p>
@@ -1726,7 +1737,7 @@
           <a:p>
             <a:fld id="{EECE8AF7-F7F9-42A7-82FF-5AB52725860A}" type="datetimeFigureOut">
               <a:rPr lang="en-US" smtClean="0"/>
-              <a:t>10/23/23</a:t>
+              <a:t>10/24/23</a:t>
             </a:fld>
             <a:endParaRPr lang="en-US"/>
           </a:p>
@@ -1821,7 +1832,7 @@
           <a:p>
             <a:fld id="{EECE8AF7-F7F9-42A7-82FF-5AB52725860A}" type="datetimeFigureOut">
               <a:rPr lang="en-US" smtClean="0"/>
-              <a:t>10/23/23</a:t>
+              <a:t>10/24/23</a:t>
             </a:fld>
             <a:endParaRPr lang="en-US"/>
           </a:p>
@@ -2098,7 +2109,7 @@
           <a:p>
             <a:fld id="{EECE8AF7-F7F9-42A7-82FF-5AB52725860A}" type="datetimeFigureOut">
               <a:rPr lang="en-US" smtClean="0"/>
-              <a:t>10/23/23</a:t>
+              <a:t>10/24/23</a:t>
             </a:fld>
             <a:endParaRPr lang="en-US"/>
           </a:p>
@@ -2351,7 +2362,7 @@
           <a:p>
             <a:fld id="{EECE8AF7-F7F9-42A7-82FF-5AB52725860A}" type="datetimeFigureOut">
               <a:rPr lang="en-US" smtClean="0"/>
-              <a:t>10/23/23</a:t>
+              <a:t>10/24/23</a:t>
             </a:fld>
             <a:endParaRPr lang="en-US"/>
           </a:p>
@@ -2564,7 +2575,7 @@
           <a:p>
             <a:fld id="{EECE8AF7-F7F9-42A7-82FF-5AB52725860A}" type="datetimeFigureOut">
               <a:rPr lang="en-US" smtClean="0"/>
-              <a:t>10/23/23</a:t>
+              <a:t>10/24/23</a:t>
             </a:fld>
             <a:endParaRPr lang="en-US"/>
           </a:p>
@@ -3024,7 +3035,7 @@
           <a:lstStyle/>
           <a:p>
             <a:pPr algn="ctr"/>
-            <a:endParaRPr lang="en-US" dirty="0">
+            <a:endParaRPr lang="en-US" i="1" dirty="0">
               <a:latin typeface="Times New Roman" panose="02020603050405020304" pitchFamily="18" charset="0"/>
               <a:cs typeface="Times New Roman" panose="02020603050405020304" pitchFamily="18" charset="0"/>
             </a:endParaRPr>
@@ -3072,7 +3083,7 @@
           <a:lstStyle/>
           <a:p>
             <a:pPr algn="ctr"/>
-            <a:endParaRPr lang="en-US" dirty="0">
+            <a:endParaRPr lang="en-US" i="1" dirty="0">
               <a:latin typeface="Times New Roman" panose="02020603050405020304" pitchFamily="18" charset="0"/>
               <a:cs typeface="Times New Roman" panose="02020603050405020304" pitchFamily="18" charset="0"/>
             </a:endParaRPr>
@@ -3121,13 +3132,13 @@
           <a:p>
             <a:pPr algn="ctr"/>
             <a:r>
-              <a:rPr lang="en-US" dirty="0" smtClean="0">
+              <a:rPr lang="en-US" i="1" dirty="0" smtClean="0">
                 <a:latin typeface="Times New Roman" panose="02020603050405020304" pitchFamily="18" charset="0"/>
                 <a:cs typeface="Times New Roman" panose="02020603050405020304" pitchFamily="18" charset="0"/>
               </a:rPr>
               <a:t>Noisy Channel</a:t>
             </a:r>
-            <a:endParaRPr lang="en-US" dirty="0">
+            <a:endParaRPr lang="en-US" i="1" dirty="0">
               <a:latin typeface="Times New Roman" panose="02020603050405020304" pitchFamily="18" charset="0"/>
               <a:cs typeface="Times New Roman" panose="02020603050405020304" pitchFamily="18" charset="0"/>
             </a:endParaRPr>
@@ -3252,7 +3263,7 @@
           <a:p>
             <a:pPr algn="ctr"/>
             <a:r>
-              <a:rPr lang="en-US" dirty="0" smtClean="0">
+              <a:rPr lang="en-US" i="1" dirty="0" smtClean="0">
                 <a:latin typeface="Times New Roman" panose="02020603050405020304" pitchFamily="18" charset="0"/>
                 <a:cs typeface="Times New Roman" panose="02020603050405020304" pitchFamily="18" charset="0"/>
               </a:rPr>
@@ -3262,7 +3273,7 @@
           <a:p>
             <a:pPr algn="ctr"/>
             <a:r>
-              <a:rPr lang="en-US" dirty="0" smtClean="0">
+              <a:rPr lang="en-US" i="1" dirty="0" smtClean="0">
                 <a:latin typeface="Times New Roman" panose="02020603050405020304" pitchFamily="18" charset="0"/>
                 <a:cs typeface="Times New Roman" panose="02020603050405020304" pitchFamily="18" charset="0"/>
               </a:rPr>
@@ -3272,34 +3283,34 @@
           <a:p>
             <a:pPr algn="ctr"/>
             <a:r>
-              <a:rPr lang="en-US" dirty="0" smtClean="0">
+              <a:rPr lang="en-US" i="1" dirty="0" smtClean="0">
                 <a:latin typeface="Times New Roman" panose="02020603050405020304" pitchFamily="18" charset="0"/>
                 <a:cs typeface="Times New Roman" panose="02020603050405020304" pitchFamily="18" charset="0"/>
               </a:rPr>
               <a:t>f</a:t>
             </a:r>
             <a:r>
-              <a:rPr lang="en-US" sz="1400" dirty="0" smtClean="0">
+              <a:rPr lang="en-US" sz="1400" i="1" dirty="0" smtClean="0">
                 <a:latin typeface="Times New Roman" panose="02020603050405020304" pitchFamily="18" charset="0"/>
                 <a:cs typeface="Times New Roman" panose="02020603050405020304" pitchFamily="18" charset="0"/>
               </a:rPr>
               <a:t>ɵ</a:t>
             </a:r>
             <a:r>
-              <a:rPr lang="en-US" sz="800" dirty="0" smtClean="0">
+              <a:rPr lang="en-US" sz="800" i="1" dirty="0" smtClean="0">
                 <a:latin typeface="Times New Roman" panose="02020603050405020304" pitchFamily="18" charset="0"/>
                 <a:cs typeface="Times New Roman" panose="02020603050405020304" pitchFamily="18" charset="0"/>
               </a:rPr>
               <a:t>1</a:t>
             </a:r>
             <a:r>
-              <a:rPr lang="en-US" dirty="0" smtClean="0">
+              <a:rPr lang="en-US" i="1" dirty="0" smtClean="0">
                 <a:latin typeface="Times New Roman" panose="02020603050405020304" pitchFamily="18" charset="0"/>
                 <a:cs typeface="Times New Roman" panose="02020603050405020304" pitchFamily="18" charset="0"/>
               </a:rPr>
               <a:t> (•)</a:t>
             </a:r>
-            <a:endParaRPr lang="en-US" dirty="0">
+            <a:endParaRPr lang="en-US" i="1" dirty="0">
               <a:latin typeface="Times New Roman" panose="02020603050405020304" pitchFamily="18" charset="0"/>
               <a:cs typeface="Times New Roman" panose="02020603050405020304" pitchFamily="18" charset="0"/>
             </a:endParaRPr>
@@ -3348,7 +3359,7 @@
           <a:p>
             <a:pPr algn="ctr"/>
             <a:r>
-              <a:rPr lang="en-US" dirty="0" smtClean="0">
+              <a:rPr lang="en-US" i="1" dirty="0" smtClean="0">
                 <a:latin typeface="Times New Roman" panose="02020603050405020304" pitchFamily="18" charset="0"/>
                 <a:cs typeface="Times New Roman" panose="02020603050405020304" pitchFamily="18" charset="0"/>
               </a:rPr>
@@ -3358,13 +3369,13 @@
           <a:p>
             <a:pPr algn="ctr"/>
             <a:r>
-              <a:rPr lang="en-US" sz="1100" dirty="0" smtClean="0">
+              <a:rPr lang="en-US" sz="1100" i="1" dirty="0" smtClean="0">
                 <a:latin typeface="Times New Roman" panose="02020603050405020304" pitchFamily="18" charset="0"/>
                 <a:cs typeface="Times New Roman" panose="02020603050405020304" pitchFamily="18" charset="0"/>
               </a:rPr>
               <a:t>Legitimate Channel</a:t>
             </a:r>
-            <a:endParaRPr lang="en-US" sz="1100" dirty="0">
+            <a:endParaRPr lang="en-US" sz="1100" i="1" dirty="0">
               <a:latin typeface="Times New Roman" panose="02020603050405020304" pitchFamily="18" charset="0"/>
               <a:cs typeface="Times New Roman" panose="02020603050405020304" pitchFamily="18" charset="0"/>
             </a:endParaRPr>
@@ -3372,42 +3383,42 @@
           <a:p>
             <a:pPr algn="ctr"/>
             <a:r>
-              <a:rPr lang="en-US" dirty="0" smtClean="0">
+              <a:rPr lang="en-US" i="1" dirty="0" smtClean="0">
                 <a:latin typeface="Times New Roman" panose="02020603050405020304" pitchFamily="18" charset="0"/>
                 <a:cs typeface="Times New Roman" panose="02020603050405020304" pitchFamily="18" charset="0"/>
               </a:rPr>
               <a:t>f</a:t>
             </a:r>
             <a:r>
-              <a:rPr lang="en-US" sz="1400" dirty="0" smtClean="0">
+              <a:rPr lang="en-US" sz="1400" i="1" dirty="0" smtClean="0">
                 <a:latin typeface="Times New Roman" panose="02020603050405020304" pitchFamily="18" charset="0"/>
                 <a:cs typeface="Times New Roman" panose="02020603050405020304" pitchFamily="18" charset="0"/>
               </a:rPr>
               <a:t>ɵ</a:t>
             </a:r>
             <a:r>
-              <a:rPr lang="en-US" sz="800" dirty="0" smtClean="0">
+              <a:rPr lang="en-US" sz="800" i="1" dirty="0" smtClean="0">
                 <a:latin typeface="Times New Roman" panose="02020603050405020304" pitchFamily="18" charset="0"/>
                 <a:cs typeface="Times New Roman" panose="02020603050405020304" pitchFamily="18" charset="0"/>
               </a:rPr>
               <a:t>2</a:t>
             </a:r>
             <a:r>
-              <a:rPr lang="en-US" sz="900" dirty="0" smtClean="0">
+              <a:rPr lang="en-US" sz="900" i="1" dirty="0" smtClean="0">
                 <a:latin typeface="Times New Roman" panose="02020603050405020304" pitchFamily="18" charset="0"/>
                 <a:cs typeface="Times New Roman" panose="02020603050405020304" pitchFamily="18" charset="0"/>
               </a:rPr>
               <a:t>b</a:t>
             </a:r>
             <a:r>
-              <a:rPr lang="en-US" sz="800" dirty="0" smtClean="0">
+              <a:rPr lang="en-US" sz="800" i="1" dirty="0" smtClean="0">
                 <a:latin typeface="Times New Roman" panose="02020603050405020304" pitchFamily="18" charset="0"/>
                 <a:cs typeface="Times New Roman" panose="02020603050405020304" pitchFamily="18" charset="0"/>
               </a:rPr>
               <a:t> </a:t>
             </a:r>
             <a:r>
-              <a:rPr lang="en-US" dirty="0" smtClean="0">
+              <a:rPr lang="en-US" i="1" dirty="0" smtClean="0">
                 <a:latin typeface="Times New Roman" panose="02020603050405020304" pitchFamily="18" charset="0"/>
                 <a:cs typeface="Times New Roman" panose="02020603050405020304" pitchFamily="18" charset="0"/>
               </a:rPr>
@@ -3535,7 +3546,7 @@
           <a:p>
             <a:pPr algn="ctr"/>
             <a:r>
-              <a:rPr lang="en-US" dirty="0" smtClean="0">
+              <a:rPr lang="en-US" i="1" dirty="0" smtClean="0">
                 <a:latin typeface="Times New Roman" panose="02020603050405020304" pitchFamily="18" charset="0"/>
                 <a:cs typeface="Times New Roman" panose="02020603050405020304" pitchFamily="18" charset="0"/>
               </a:rPr>
@@ -3545,13 +3556,13 @@
           <a:p>
             <a:pPr algn="ctr"/>
             <a:r>
-              <a:rPr lang="en-US" sz="1100" dirty="0" smtClean="0">
+              <a:rPr lang="en-US" sz="1100" i="1" dirty="0" smtClean="0">
                 <a:latin typeface="Times New Roman" panose="02020603050405020304" pitchFamily="18" charset="0"/>
                 <a:cs typeface="Times New Roman" panose="02020603050405020304" pitchFamily="18" charset="0"/>
               </a:rPr>
               <a:t>Wiretap Channel</a:t>
             </a:r>
-            <a:endParaRPr lang="en-US" sz="1100" dirty="0">
+            <a:endParaRPr lang="en-US" sz="1100" i="1" dirty="0">
               <a:latin typeface="Times New Roman" panose="02020603050405020304" pitchFamily="18" charset="0"/>
               <a:cs typeface="Times New Roman" panose="02020603050405020304" pitchFamily="18" charset="0"/>
             </a:endParaRPr>
@@ -3559,42 +3570,42 @@
           <a:p>
             <a:pPr algn="ctr"/>
             <a:r>
-              <a:rPr lang="en-US" dirty="0" smtClean="0">
+              <a:rPr lang="en-US" i="1" dirty="0" smtClean="0">
                 <a:latin typeface="Times New Roman" panose="02020603050405020304" pitchFamily="18" charset="0"/>
                 <a:cs typeface="Times New Roman" panose="02020603050405020304" pitchFamily="18" charset="0"/>
               </a:rPr>
               <a:t>f</a:t>
             </a:r>
             <a:r>
-              <a:rPr lang="en-US" sz="1400" dirty="0" smtClean="0">
+              <a:rPr lang="en-US" sz="1400" i="1" dirty="0" smtClean="0">
                 <a:latin typeface="Times New Roman" panose="02020603050405020304" pitchFamily="18" charset="0"/>
                 <a:cs typeface="Times New Roman" panose="02020603050405020304" pitchFamily="18" charset="0"/>
               </a:rPr>
               <a:t>ɵ</a:t>
             </a:r>
             <a:r>
-              <a:rPr lang="en-US" sz="800" dirty="0" smtClean="0">
+              <a:rPr lang="en-US" sz="800" i="1" dirty="0" smtClean="0">
                 <a:latin typeface="Times New Roman" panose="02020603050405020304" pitchFamily="18" charset="0"/>
                 <a:cs typeface="Times New Roman" panose="02020603050405020304" pitchFamily="18" charset="0"/>
               </a:rPr>
               <a:t>2</a:t>
             </a:r>
             <a:r>
-              <a:rPr lang="en-US" sz="1000" dirty="0" smtClean="0">
+              <a:rPr lang="en-US" sz="1000" i="1" dirty="0" smtClean="0">
                 <a:latin typeface="Times New Roman" panose="02020603050405020304" pitchFamily="18" charset="0"/>
                 <a:cs typeface="Times New Roman" panose="02020603050405020304" pitchFamily="18" charset="0"/>
               </a:rPr>
               <a:t>e</a:t>
             </a:r>
             <a:r>
-              <a:rPr lang="en-US" sz="800" dirty="0" smtClean="0">
+              <a:rPr lang="en-US" sz="800" i="1" dirty="0" smtClean="0">
                 <a:latin typeface="Times New Roman" panose="02020603050405020304" pitchFamily="18" charset="0"/>
                 <a:cs typeface="Times New Roman" panose="02020603050405020304" pitchFamily="18" charset="0"/>
               </a:rPr>
               <a:t> </a:t>
             </a:r>
             <a:r>
-              <a:rPr lang="en-US" dirty="0" smtClean="0">
+              <a:rPr lang="en-US" i="1" dirty="0" smtClean="0">
                 <a:latin typeface="Times New Roman" panose="02020603050405020304" pitchFamily="18" charset="0"/>
                 <a:cs typeface="Times New Roman" panose="02020603050405020304" pitchFamily="18" charset="0"/>
               </a:rPr>
@@ -3775,13 +3786,13 @@
           <a:p>
             <a:pPr algn="ctr"/>
             <a:r>
-              <a:rPr lang="en-US" dirty="0" smtClean="0">
+              <a:rPr lang="en-US" i="1" dirty="0" smtClean="0">
                 <a:latin typeface="Times New Roman" panose="02020603050405020304" pitchFamily="18" charset="0"/>
                 <a:cs typeface="Times New Roman" panose="02020603050405020304" pitchFamily="18" charset="0"/>
               </a:rPr>
               <a:t>Database (K)</a:t>
             </a:r>
-            <a:endParaRPr lang="en-US" dirty="0">
+            <a:endParaRPr lang="en-US" i="1" dirty="0">
               <a:latin typeface="Times New Roman" panose="02020603050405020304" pitchFamily="18" charset="0"/>
               <a:cs typeface="Times New Roman" panose="02020603050405020304" pitchFamily="18" charset="0"/>
             </a:endParaRPr>
@@ -3902,13 +3913,13 @@
           <a:p>
             <a:pPr algn="ctr"/>
             <a:r>
-              <a:rPr lang="en-US" dirty="0" smtClean="0">
+              <a:rPr lang="en-US" i="1" dirty="0" smtClean="0">
                 <a:latin typeface="Times New Roman" panose="02020603050405020304" pitchFamily="18" charset="0"/>
                 <a:cs typeface="Times New Roman" panose="02020603050405020304" pitchFamily="18" charset="0"/>
               </a:rPr>
               <a:t>Data Recovery</a:t>
             </a:r>
-            <a:endParaRPr lang="en-US" dirty="0">
+            <a:endParaRPr lang="en-US" i="1" dirty="0">
               <a:latin typeface="Times New Roman" panose="02020603050405020304" pitchFamily="18" charset="0"/>
               <a:cs typeface="Times New Roman" panose="02020603050405020304" pitchFamily="18" charset="0"/>
             </a:endParaRPr>
@@ -3957,13 +3968,13 @@
           <a:p>
             <a:pPr algn="ctr"/>
             <a:r>
-              <a:rPr lang="en-US" dirty="0" smtClean="0">
+              <a:rPr lang="en-US" i="1" dirty="0" smtClean="0">
                 <a:latin typeface="Times New Roman" panose="02020603050405020304" pitchFamily="18" charset="0"/>
                 <a:cs typeface="Times New Roman" panose="02020603050405020304" pitchFamily="18" charset="0"/>
               </a:rPr>
               <a:t>Data Observed</a:t>
             </a:r>
-            <a:endParaRPr lang="en-US" dirty="0">
+            <a:endParaRPr lang="en-US" i="1" dirty="0">
               <a:latin typeface="Times New Roman" panose="02020603050405020304" pitchFamily="18" charset="0"/>
               <a:cs typeface="Times New Roman" panose="02020603050405020304" pitchFamily="18" charset="0"/>
             </a:endParaRPr>
@@ -4048,7 +4059,7 @@
           <a:p>
             <a:pPr algn="ctr"/>
             <a:r>
-              <a:rPr lang="en-US" dirty="0" smtClean="0">
+              <a:rPr lang="en-US" i="1" dirty="0" smtClean="0">
                 <a:solidFill>
                   <a:schemeClr val="tx1"/>
                 </a:solidFill>
@@ -4057,7 +4068,7 @@
               </a:rPr>
               <a:t>Generator</a:t>
             </a:r>
-            <a:endParaRPr lang="en-US" dirty="0">
+            <a:endParaRPr lang="en-US" i="1" dirty="0">
               <a:solidFill>
                 <a:schemeClr val="tx1"/>
               </a:solidFill>
@@ -4106,7 +4117,7 @@
           <a:p>
             <a:pPr algn="ctr"/>
             <a:r>
-              <a:rPr lang="en-US" dirty="0" smtClean="0">
+              <a:rPr lang="en-US" i="1" dirty="0" smtClean="0">
                 <a:solidFill>
                   <a:schemeClr val="tx1"/>
                 </a:solidFill>
@@ -4115,7 +4126,7 @@
               </a:rPr>
               <a:t>Discriminator</a:t>
             </a:r>
-            <a:endParaRPr lang="en-US" dirty="0">
+            <a:endParaRPr lang="en-US" i="1" dirty="0">
               <a:solidFill>
                 <a:schemeClr val="tx1"/>
               </a:solidFill>
@@ -4281,7 +4292,7 @@
         <p:spPr>
           <a:xfrm>
             <a:off x="1472527" y="2309166"/>
-            <a:ext cx="312906" cy="369332"/>
+            <a:ext cx="300082" cy="369332"/>
           </a:xfrm>
           <a:prstGeom prst="rect">
             <a:avLst/>
@@ -4295,7 +4306,7 @@
           <a:lstStyle/>
           <a:p>
             <a:r>
-              <a:rPr lang="en-US" dirty="0">
+              <a:rPr lang="en-US" i="1" dirty="0">
                 <a:latin typeface="Times New Roman" panose="02020603050405020304" pitchFamily="18" charset="0"/>
                 <a:cs typeface="Times New Roman" panose="02020603050405020304" pitchFamily="18" charset="0"/>
               </a:rPr>
@@ -4313,7 +4324,7 @@
         <p:spPr>
           <a:xfrm>
             <a:off x="3526614" y="2309825"/>
-            <a:ext cx="312906" cy="369332"/>
+            <a:ext cx="300082" cy="369332"/>
           </a:xfrm>
           <a:prstGeom prst="rect">
             <a:avLst/>
@@ -4327,13 +4338,13 @@
           <a:lstStyle/>
           <a:p>
             <a:r>
-              <a:rPr lang="en-US" dirty="0" smtClean="0">
+              <a:rPr lang="en-US" i="1" dirty="0" smtClean="0">
                 <a:latin typeface="Times New Roman" panose="02020603050405020304" pitchFamily="18" charset="0"/>
                 <a:cs typeface="Times New Roman" panose="02020603050405020304" pitchFamily="18" charset="0"/>
               </a:rPr>
               <a:t>S̃</a:t>
             </a:r>
-            <a:endParaRPr lang="en-US" dirty="0">
+            <a:endParaRPr lang="en-US" i="1" dirty="0">
               <a:latin typeface="Times New Roman" panose="02020603050405020304" pitchFamily="18" charset="0"/>
               <a:cs typeface="Times New Roman" panose="02020603050405020304" pitchFamily="18" charset="0"/>
             </a:endParaRPr>
@@ -4351,7 +4362,7 @@
             <p:spPr>
               <a:xfrm>
                 <a:off x="10436245" y="2392779"/>
-                <a:ext cx="171521" cy="285719"/>
+                <a:ext cx="222817" cy="285719"/>
               </a:xfrm>
               <a:prstGeom prst="rect">
                 <a:avLst/>
@@ -4377,10 +4388,16 @@
                         </a:rPr>
                         <m:t>Ŝ</m:t>
                       </m:r>
+                      <m:r>
+                        <a:rPr lang="en-US" b="0" i="1" smtClean="0">
+                          <a:latin typeface="Cambria Math" panose="02040503050406030204" pitchFamily="18" charset="0"/>
+                        </a:rPr>
+                        <m:t> </m:t>
+                      </m:r>
                     </m:oMath>
                   </m:oMathPara>
                 </a14:m>
-                <a:endParaRPr lang="en-US" dirty="0">
+                <a:endParaRPr lang="en-US" i="1" dirty="0">
                   <a:latin typeface="Times New Roman" panose="02020603050405020304" pitchFamily="18" charset="0"/>
                   <a:cs typeface="Times New Roman" panose="02020603050405020304" pitchFamily="18" charset="0"/>
                 </a:endParaRPr>
@@ -4400,7 +4417,7 @@
             <p:spPr>
               <a:xfrm>
                 <a:off x="10436245" y="2392779"/>
-                <a:ext cx="171521" cy="285719"/>
+                <a:ext cx="222817" cy="285719"/>
               </a:xfrm>
               <a:prstGeom prst="rect">
                 <a:avLst/>
@@ -4408,7 +4425,7 @@
               <a:blipFill>
                 <a:blip r:embed="rId5"/>
                 <a:stretch>
-                  <a:fillRect l="-42857" t="-8696" r="-46429" b="-19565"/>
+                  <a:fillRect l="-32432" t="-8696" r="-10811" b="-19565"/>
                 </a:stretch>
               </a:blipFill>
             </p:spPr>
@@ -4436,7 +4453,7 @@
         <p:spPr>
           <a:xfrm>
             <a:off x="5440815" y="2309166"/>
-            <a:ext cx="351378" cy="369332"/>
+            <a:ext cx="325730" cy="369332"/>
           </a:xfrm>
           <a:prstGeom prst="rect">
             <a:avLst/>
@@ -4450,7 +4467,7 @@
           <a:lstStyle/>
           <a:p>
             <a:r>
-              <a:rPr lang="en-US" dirty="0">
+              <a:rPr lang="en-US" i="1" dirty="0">
                 <a:latin typeface="Times New Roman" panose="02020603050405020304" pitchFamily="18" charset="0"/>
                 <a:cs typeface="Times New Roman" panose="02020603050405020304" pitchFamily="18" charset="0"/>
               </a:rPr>
@@ -4468,7 +4485,7 @@
         <p:spPr>
           <a:xfrm>
             <a:off x="7602738" y="2328826"/>
-            <a:ext cx="428322" cy="369332"/>
+            <a:ext cx="389850" cy="369332"/>
           </a:xfrm>
           <a:prstGeom prst="rect">
             <a:avLst/>
@@ -4482,20 +4499,20 @@
           <a:lstStyle/>
           <a:p>
             <a:r>
-              <a:rPr lang="en-US" dirty="0" err="1" smtClean="0">
+              <a:rPr lang="en-US" i="1" dirty="0" err="1" smtClean="0">
                 <a:latin typeface="Times New Roman" panose="02020603050405020304" pitchFamily="18" charset="0"/>
                 <a:cs typeface="Times New Roman" panose="02020603050405020304" pitchFamily="18" charset="0"/>
               </a:rPr>
               <a:t>Y</a:t>
             </a:r>
             <a:r>
-              <a:rPr lang="en-US" sz="1200" dirty="0" err="1" smtClean="0">
+              <a:rPr lang="en-US" sz="1200" i="1" dirty="0" err="1">
                 <a:latin typeface="Times New Roman" panose="02020603050405020304" pitchFamily="18" charset="0"/>
                 <a:cs typeface="Times New Roman" panose="02020603050405020304" pitchFamily="18" charset="0"/>
               </a:rPr>
               <a:t>b</a:t>
             </a:r>
-            <a:endParaRPr lang="en-US" dirty="0">
+            <a:endParaRPr lang="en-US" i="1" dirty="0">
               <a:latin typeface="Times New Roman" panose="02020603050405020304" pitchFamily="18" charset="0"/>
               <a:cs typeface="Times New Roman" panose="02020603050405020304" pitchFamily="18" charset="0"/>
             </a:endParaRPr>
@@ -4511,7 +4528,7 @@
         <p:spPr>
           <a:xfrm>
             <a:off x="7614347" y="4064855"/>
-            <a:ext cx="420308" cy="369332"/>
+            <a:ext cx="381836" cy="369332"/>
           </a:xfrm>
           <a:prstGeom prst="rect">
             <a:avLst/>
@@ -4525,20 +4542,20 @@
           <a:lstStyle/>
           <a:p>
             <a:r>
-              <a:rPr lang="en-US" dirty="0" smtClean="0">
+              <a:rPr lang="en-US" i="1" dirty="0" smtClean="0">
                 <a:latin typeface="Times New Roman" panose="02020603050405020304" pitchFamily="18" charset="0"/>
                 <a:cs typeface="Times New Roman" panose="02020603050405020304" pitchFamily="18" charset="0"/>
               </a:rPr>
               <a:t>Y</a:t>
             </a:r>
             <a:r>
-              <a:rPr lang="en-US" sz="1200" dirty="0" smtClean="0">
+              <a:rPr lang="en-US" sz="1200" i="1" dirty="0" smtClean="0">
                 <a:latin typeface="Times New Roman" panose="02020603050405020304" pitchFamily="18" charset="0"/>
                 <a:cs typeface="Times New Roman" panose="02020603050405020304" pitchFamily="18" charset="0"/>
               </a:rPr>
               <a:t>e</a:t>
             </a:r>
-            <a:endParaRPr lang="en-US" dirty="0">
+            <a:endParaRPr lang="en-US" i="1" dirty="0">
               <a:latin typeface="Times New Roman" panose="02020603050405020304" pitchFamily="18" charset="0"/>
               <a:cs typeface="Times New Roman" panose="02020603050405020304" pitchFamily="18" charset="0"/>
             </a:endParaRPr>
@@ -4568,13 +4585,13 @@
           <a:lstStyle/>
           <a:p>
             <a:r>
-              <a:rPr lang="en-US" dirty="0" smtClean="0">
+              <a:rPr lang="en-US" i="1" dirty="0" smtClean="0">
                 <a:latin typeface="Times New Roman" panose="02020603050405020304" pitchFamily="18" charset="0"/>
                 <a:cs typeface="Times New Roman" panose="02020603050405020304" pitchFamily="18" charset="0"/>
               </a:rPr>
               <a:t>K</a:t>
             </a:r>
-            <a:endParaRPr lang="en-US" dirty="0">
+            <a:endParaRPr lang="en-US" i="1" dirty="0">
               <a:latin typeface="Times New Roman" panose="02020603050405020304" pitchFamily="18" charset="0"/>
               <a:cs typeface="Times New Roman" panose="02020603050405020304" pitchFamily="18" charset="0"/>
             </a:endParaRPr>
@@ -4604,19 +4621,212 @@
           <a:lstStyle/>
           <a:p>
             <a:r>
-              <a:rPr lang="en-US" dirty="0" smtClean="0">
+              <a:rPr lang="en-US" i="1" dirty="0" smtClean="0">
                 <a:latin typeface="Times New Roman" panose="02020603050405020304" pitchFamily="18" charset="0"/>
                 <a:cs typeface="Times New Roman" panose="02020603050405020304" pitchFamily="18" charset="0"/>
               </a:rPr>
               <a:t>K</a:t>
             </a:r>
-            <a:endParaRPr lang="en-US" dirty="0">
+            <a:endParaRPr lang="en-US" i="1" dirty="0">
               <a:latin typeface="Times New Roman" panose="02020603050405020304" pitchFamily="18" charset="0"/>
               <a:cs typeface="Times New Roman" panose="02020603050405020304" pitchFamily="18" charset="0"/>
             </a:endParaRPr>
           </a:p>
         </p:txBody>
       </p:sp>
+      <p:sp>
+        <p:nvSpPr>
+          <p:cNvPr id="2" name="Rectangle 1"/>
+          <p:cNvSpPr/>
+          <p:nvPr/>
+        </p:nvSpPr>
+        <p:spPr>
+          <a:xfrm>
+            <a:off x="10486436" y="2434809"/>
+            <a:ext cx="261610" cy="276999"/>
+          </a:xfrm>
+          <a:prstGeom prst="rect">
+            <a:avLst/>
+          </a:prstGeom>
+        </p:spPr>
+        <p:txBody>
+          <a:bodyPr wrap="none">
+            <a:spAutoFit/>
+          </a:bodyPr>
+          <a:lstStyle/>
+          <a:p>
+            <a:r>
+              <a:rPr lang="en-US" sz="1200" i="1" dirty="0" smtClean="0">
+                <a:latin typeface="Times New Roman" panose="02020603050405020304" pitchFamily="18" charset="0"/>
+                <a:cs typeface="Times New Roman" panose="02020603050405020304" pitchFamily="18" charset="0"/>
+              </a:rPr>
+              <a:t>b</a:t>
+            </a:r>
+            <a:endParaRPr lang="en-US" sz="1200" dirty="0"/>
+          </a:p>
+        </p:txBody>
+      </p:sp>
+      <mc:AlternateContent xmlns:mc="http://schemas.openxmlformats.org/markup-compatibility/2006">
+        <mc:Choice xmlns:a14="http://schemas.microsoft.com/office/drawing/2010/main" Requires="a14">
+          <p:sp>
+            <p:nvSpPr>
+              <p:cNvPr id="37" name="TextBox 36"/>
+              <p:cNvSpPr txBox="1"/>
+              <p:nvPr/>
+            </p:nvSpPr>
+            <p:spPr>
+              <a:xfrm>
+                <a:off x="10436245" y="4104725"/>
+                <a:ext cx="222817" cy="285719"/>
+              </a:xfrm>
+              <a:prstGeom prst="rect">
+                <a:avLst/>
+              </a:prstGeom>
+              <a:noFill/>
+            </p:spPr>
+            <p:txBody>
+              <a:bodyPr wrap="none" lIns="0" tIns="0" rIns="0" bIns="0" rtlCol="0">
+                <a:spAutoFit/>
+              </a:bodyPr>
+              <a:lstStyle/>
+              <a:p>
+                <a:pPr/>
+                <a14:m>
+                  <m:oMathPara xmlns:m="http://schemas.openxmlformats.org/officeDocument/2006/math">
+                    <m:oMathParaPr>
+                      <m:jc m:val="centerGroup"/>
+                    </m:oMathParaPr>
+                    <m:oMath xmlns:m="http://schemas.openxmlformats.org/officeDocument/2006/math">
+                      <m:r>
+                        <a:rPr lang="en-US" i="1" smtClean="0">
+                          <a:latin typeface="Cambria Math" panose="02040503050406030204" pitchFamily="18" charset="0"/>
+                        </a:rPr>
+                        <m:t>Ŝ</m:t>
+                      </m:r>
+                      <m:r>
+                        <a:rPr lang="en-US" b="0" i="1" smtClean="0">
+                          <a:latin typeface="Cambria Math" panose="02040503050406030204" pitchFamily="18" charset="0"/>
+                        </a:rPr>
+                        <m:t> </m:t>
+                      </m:r>
+                    </m:oMath>
+                  </m:oMathPara>
+                </a14:m>
+                <a:endParaRPr lang="en-US" i="1" dirty="0">
+                  <a:latin typeface="Times New Roman" panose="02020603050405020304" pitchFamily="18" charset="0"/>
+                  <a:cs typeface="Times New Roman" panose="02020603050405020304" pitchFamily="18" charset="0"/>
+                </a:endParaRPr>
+              </a:p>
+            </p:txBody>
+          </p:sp>
+        </mc:Choice>
+        <mc:Fallback>
+          <p:sp>
+            <p:nvSpPr>
+              <p:cNvPr id="37" name="TextBox 36"/>
+              <p:cNvSpPr txBox="1">
+                <a:spLocks noRot="1" noChangeAspect="1" noMove="1" noResize="1" noEditPoints="1" noAdjustHandles="1" noChangeArrowheads="1" noChangeShapeType="1" noTextEdit="1"/>
+              </p:cNvSpPr>
+              <p:nvPr/>
+            </p:nvSpPr>
+            <p:spPr>
+              <a:xfrm>
+                <a:off x="10436245" y="4104725"/>
+                <a:ext cx="222817" cy="285719"/>
+              </a:xfrm>
+              <a:prstGeom prst="rect">
+                <a:avLst/>
+              </a:prstGeom>
+              <a:blipFill>
+                <a:blip r:embed="rId6"/>
+                <a:stretch>
+                  <a:fillRect l="-32432" t="-6383" r="-10811" b="-17021"/>
+                </a:stretch>
+              </a:blipFill>
+            </p:spPr>
+            <p:txBody>
+              <a:bodyPr/>
+              <a:lstStyle/>
+              <a:p>
+                <a:r>
+                  <a:rPr lang="en-US">
+                    <a:noFill/>
+                  </a:rPr>
+                  <a:t> </a:t>
+                </a:r>
+              </a:p>
+            </p:txBody>
+          </p:sp>
+        </mc:Fallback>
+      </mc:AlternateContent>
+      <p:sp>
+        <p:nvSpPr>
+          <p:cNvPr id="42" name="Rectangle 41"/>
+          <p:cNvSpPr/>
+          <p:nvPr/>
+        </p:nvSpPr>
+        <p:spPr>
+          <a:xfrm>
+            <a:off x="10486436" y="4146755"/>
+            <a:ext cx="253596" cy="276999"/>
+          </a:xfrm>
+          <a:prstGeom prst="rect">
+            <a:avLst/>
+          </a:prstGeom>
+        </p:spPr>
+        <p:txBody>
+          <a:bodyPr wrap="none">
+            <a:spAutoFit/>
+          </a:bodyPr>
+          <a:lstStyle/>
+          <a:p>
+            <a:r>
+              <a:rPr lang="en-US" sz="1200" i="1" dirty="0">
+                <a:latin typeface="Times New Roman" panose="02020603050405020304" pitchFamily="18" charset="0"/>
+                <a:cs typeface="Times New Roman" panose="02020603050405020304" pitchFamily="18" charset="0"/>
+              </a:rPr>
+              <a:t>e</a:t>
+            </a:r>
+            <a:endParaRPr lang="en-US" sz="1200" dirty="0"/>
+          </a:p>
+        </p:txBody>
+      </p:sp>
+      <p:cxnSp>
+        <p:nvCxnSpPr>
+          <p:cNvPr id="4" name="Elbow Connector 3"/>
+          <p:cNvCxnSpPr>
+            <a:stCxn id="40" idx="3"/>
+            <a:endCxn id="21" idx="2"/>
+          </p:cNvCxnSpPr>
+          <p:nvPr/>
+        </p:nvCxnSpPr>
+        <p:spPr>
+          <a:xfrm flipV="1">
+            <a:off x="10218789" y="3411026"/>
+            <a:ext cx="1173428" cy="1063031"/>
+          </a:xfrm>
+          <a:prstGeom prst="bentConnector2">
+            <a:avLst/>
+          </a:prstGeom>
+          <a:ln w="28575">
+            <a:tailEnd type="triangle"/>
+          </a:ln>
+        </p:spPr>
+        <p:style>
+          <a:lnRef idx="1">
+            <a:schemeClr val="dk1"/>
+          </a:lnRef>
+          <a:fillRef idx="0">
+            <a:schemeClr val="dk1"/>
+          </a:fillRef>
+          <a:effectRef idx="0">
+            <a:schemeClr val="dk1"/>
+          </a:effectRef>
+          <a:fontRef idx="minor">
+            <a:schemeClr val="tx1"/>
+          </a:fontRef>
+        </p:style>
+      </p:cxnSp>
     </p:spTree>
     <p:extLst>
       <p:ext uri="{BB962C8B-B14F-4D97-AF65-F5344CB8AC3E}">
